--- a/drools-spring/diplomski/prezentacija/tekunice.pptx
+++ b/drools-spring/diplomski/prezentacija/tekunice.pptx
@@ -205,7 +205,8 @@
           <a:p>
             <a:fld id="{F94109BD-E5C0-42C9-B84C-E499D90B02DB}" type="datetimeFigureOut">
               <a:rPr lang="en-US" smtClean="0"/>
-              <a:t>9/5/2022</a:t>
+              <a:pPr/>
+              <a:t>9/13/2022</a:t>
             </a:fld>
             <a:endParaRPr lang="en-US"/>
           </a:p>
@@ -366,6 +367,7 @@
           <a:p>
             <a:fld id="{E7C433A7-D663-4A33-93F3-9D6089FD4ECF}" type="slidenum">
               <a:rPr lang="en-US" smtClean="0"/>
+              <a:pPr/>
               <a:t>‹#›</a:t>
             </a:fld>
             <a:endParaRPr lang="en-US"/>
@@ -537,7 +539,172 @@
           <a:p>
             <a:fld id="{E7C433A7-D663-4A33-93F3-9D6089FD4ECF}" type="slidenum">
               <a:rPr lang="en-US" smtClean="0"/>
+              <a:pPr/>
               <a:t>8</a:t>
+            </a:fld>
+            <a:endParaRPr lang="en-US"/>
+          </a:p>
+        </p:txBody>
+      </p:sp>
+    </p:spTree>
+  </p:cSld>
+  <p:clrMapOvr>
+    <a:masterClrMapping/>
+  </p:clrMapOvr>
+</p:notes>
+</file>
+
+<file path=ppt/notesSlides/notesSlide2.xml><?xml version="1.0" encoding="utf-8"?>
+<p:notes xmlns:a="http://schemas.openxmlformats.org/drawingml/2006/main" xmlns:r="http://schemas.openxmlformats.org/officeDocument/2006/relationships" xmlns:p="http://schemas.openxmlformats.org/presentationml/2006/main">
+  <p:cSld>
+    <p:spTree>
+      <p:nvGrpSpPr>
+        <p:cNvPr id="1" name=""/>
+        <p:cNvGrpSpPr/>
+        <p:nvPr/>
+      </p:nvGrpSpPr>
+      <p:grpSpPr>
+        <a:xfrm>
+          <a:off x="0" y="0"/>
+          <a:ext cx="0" cy="0"/>
+          <a:chOff x="0" y="0"/>
+          <a:chExt cx="0" cy="0"/>
+        </a:xfrm>
+      </p:grpSpPr>
+      <p:sp>
+        <p:nvSpPr>
+          <p:cNvPr id="2" name="Slide Image Placeholder 1"/>
+          <p:cNvSpPr>
+            <a:spLocks noGrp="1" noRot="1" noChangeAspect="1"/>
+          </p:cNvSpPr>
+          <p:nvPr>
+            <p:ph type="sldImg"/>
+          </p:nvPr>
+        </p:nvSpPr>
+        <p:spPr/>
+      </p:sp>
+      <p:sp>
+        <p:nvSpPr>
+          <p:cNvPr id="3" name="Notes Placeholder 2"/>
+          <p:cNvSpPr>
+            <a:spLocks noGrp="1"/>
+          </p:cNvSpPr>
+          <p:nvPr>
+            <p:ph type="body" idx="1"/>
+          </p:nvPr>
+        </p:nvSpPr>
+        <p:spPr/>
+        <p:txBody>
+          <a:bodyPr>
+            <a:normAutofit/>
+          </a:bodyPr>
+          <a:lstStyle/>
+          <a:p>
+            <a:endParaRPr lang="en-US" dirty="0"/>
+          </a:p>
+        </p:txBody>
+      </p:sp>
+      <p:sp>
+        <p:nvSpPr>
+          <p:cNvPr id="4" name="Slide Number Placeholder 3"/>
+          <p:cNvSpPr>
+            <a:spLocks noGrp="1"/>
+          </p:cNvSpPr>
+          <p:nvPr>
+            <p:ph type="sldNum" sz="quarter" idx="10"/>
+          </p:nvPr>
+        </p:nvSpPr>
+        <p:spPr/>
+        <p:txBody>
+          <a:bodyPr/>
+          <a:lstStyle/>
+          <a:p>
+            <a:fld id="{E7C433A7-D663-4A33-93F3-9D6089FD4ECF}" type="slidenum">
+              <a:rPr lang="en-US" smtClean="0"/>
+              <a:pPr/>
+              <a:t>12</a:t>
+            </a:fld>
+            <a:endParaRPr lang="en-US"/>
+          </a:p>
+        </p:txBody>
+      </p:sp>
+    </p:spTree>
+  </p:cSld>
+  <p:clrMapOvr>
+    <a:masterClrMapping/>
+  </p:clrMapOvr>
+</p:notes>
+</file>
+
+<file path=ppt/notesSlides/notesSlide3.xml><?xml version="1.0" encoding="utf-8"?>
+<p:notes xmlns:a="http://schemas.openxmlformats.org/drawingml/2006/main" xmlns:r="http://schemas.openxmlformats.org/officeDocument/2006/relationships" xmlns:p="http://schemas.openxmlformats.org/presentationml/2006/main">
+  <p:cSld>
+    <p:spTree>
+      <p:nvGrpSpPr>
+        <p:cNvPr id="1" name=""/>
+        <p:cNvGrpSpPr/>
+        <p:nvPr/>
+      </p:nvGrpSpPr>
+      <p:grpSpPr>
+        <a:xfrm>
+          <a:off x="0" y="0"/>
+          <a:ext cx="0" cy="0"/>
+          <a:chOff x="0" y="0"/>
+          <a:chExt cx="0" cy="0"/>
+        </a:xfrm>
+      </p:grpSpPr>
+      <p:sp>
+        <p:nvSpPr>
+          <p:cNvPr id="2" name="Slide Image Placeholder 1"/>
+          <p:cNvSpPr>
+            <a:spLocks noGrp="1" noRot="1" noChangeAspect="1"/>
+          </p:cNvSpPr>
+          <p:nvPr>
+            <p:ph type="sldImg"/>
+          </p:nvPr>
+        </p:nvSpPr>
+        <p:spPr/>
+      </p:sp>
+      <p:sp>
+        <p:nvSpPr>
+          <p:cNvPr id="3" name="Notes Placeholder 2"/>
+          <p:cNvSpPr>
+            <a:spLocks noGrp="1"/>
+          </p:cNvSpPr>
+          <p:nvPr>
+            <p:ph type="body" idx="1"/>
+          </p:nvPr>
+        </p:nvSpPr>
+        <p:spPr/>
+        <p:txBody>
+          <a:bodyPr>
+            <a:normAutofit/>
+          </a:bodyPr>
+          <a:lstStyle/>
+          <a:p>
+            <a:endParaRPr lang="en-US" dirty="0"/>
+          </a:p>
+        </p:txBody>
+      </p:sp>
+      <p:sp>
+        <p:nvSpPr>
+          <p:cNvPr id="4" name="Slide Number Placeholder 3"/>
+          <p:cNvSpPr>
+            <a:spLocks noGrp="1"/>
+          </p:cNvSpPr>
+          <p:nvPr>
+            <p:ph type="sldNum" sz="quarter" idx="10"/>
+          </p:nvPr>
+        </p:nvSpPr>
+        <p:spPr/>
+        <p:txBody>
+          <a:bodyPr/>
+          <a:lstStyle/>
+          <a:p>
+            <a:fld id="{E7C433A7-D663-4A33-93F3-9D6089FD4ECF}" type="slidenum">
+              <a:rPr lang="en-US" smtClean="0"/>
+              <a:pPr/>
+              <a:t>13</a:t>
             </a:fld>
             <a:endParaRPr lang="en-US"/>
           </a:p>
@@ -732,7 +899,8 @@
           <a:p>
             <a:fld id="{C7F48B7D-DD66-4979-8CF2-34611549B393}" type="datetime1">
               <a:rPr lang="en-US" smtClean="0"/>
-              <a:t>9/6/2022</a:t>
+              <a:pPr/>
+              <a:t>9/13/2022</a:t>
             </a:fld>
             <a:endParaRPr lang="en-US" dirty="0"/>
           </a:p>
@@ -774,6 +942,7 @@
           <a:p>
             <a:fld id="{CA66AAB0-E9E5-4E62-8C28-AAD4A8C5F441}" type="slidenum">
               <a:rPr lang="en-US" smtClean="0"/>
+              <a:pPr/>
               <a:t>‹#›</a:t>
             </a:fld>
             <a:endParaRPr lang="en-US" dirty="0"/>
@@ -897,7 +1066,8 @@
           <a:p>
             <a:fld id="{0219CE2B-E639-4EC5-BFA1-9424801FAFEF}" type="datetime1">
               <a:rPr lang="en-US" smtClean="0"/>
-              <a:t>9/6/2022</a:t>
+              <a:pPr/>
+              <a:t>9/13/2022</a:t>
             </a:fld>
             <a:endParaRPr lang="en-US" dirty="0"/>
           </a:p>
@@ -939,6 +1109,7 @@
           <a:p>
             <a:fld id="{CA66AAB0-E9E5-4E62-8C28-AAD4A8C5F441}" type="slidenum">
               <a:rPr lang="en-US" smtClean="0"/>
+              <a:pPr/>
               <a:t>‹#›</a:t>
             </a:fld>
             <a:endParaRPr lang="en-US" dirty="0"/>
@@ -1072,7 +1243,8 @@
           <a:p>
             <a:fld id="{1F85092A-E2F7-4ED4-A32E-6AEAE9875EB5}" type="datetime1">
               <a:rPr lang="en-US" smtClean="0"/>
-              <a:t>9/6/2022</a:t>
+              <a:pPr/>
+              <a:t>9/13/2022</a:t>
             </a:fld>
             <a:endParaRPr lang="en-US" dirty="0"/>
           </a:p>
@@ -1114,6 +1286,7 @@
           <a:p>
             <a:fld id="{CA66AAB0-E9E5-4E62-8C28-AAD4A8C5F441}" type="slidenum">
               <a:rPr lang="en-US" smtClean="0"/>
+              <a:pPr/>
               <a:t>‹#›</a:t>
             </a:fld>
             <a:endParaRPr lang="en-US" dirty="0"/>
@@ -1237,7 +1410,8 @@
           <a:p>
             <a:fld id="{3E462803-0CC7-4000-B71B-CA8103DFD274}" type="datetime1">
               <a:rPr lang="en-US" smtClean="0"/>
-              <a:t>9/6/2022</a:t>
+              <a:pPr/>
+              <a:t>9/13/2022</a:t>
             </a:fld>
             <a:endParaRPr lang="en-US" dirty="0"/>
           </a:p>
@@ -1279,6 +1453,7 @@
           <a:p>
             <a:fld id="{CA66AAB0-E9E5-4E62-8C28-AAD4A8C5F441}" type="slidenum">
               <a:rPr lang="en-US" smtClean="0"/>
+              <a:pPr/>
               <a:t>‹#›</a:t>
             </a:fld>
             <a:endParaRPr lang="en-US" dirty="0"/>
@@ -1478,7 +1653,8 @@
           <a:p>
             <a:fld id="{4A6E193E-E23B-46DA-807C-430B944071E8}" type="datetime1">
               <a:rPr lang="en-US" smtClean="0"/>
-              <a:t>9/6/2022</a:t>
+              <a:pPr/>
+              <a:t>9/13/2022</a:t>
             </a:fld>
             <a:endParaRPr lang="en-US" dirty="0"/>
           </a:p>
@@ -1520,6 +1696,7 @@
           <a:p>
             <a:fld id="{CA66AAB0-E9E5-4E62-8C28-AAD4A8C5F441}" type="slidenum">
               <a:rPr lang="en-US" smtClean="0"/>
+              <a:pPr/>
               <a:t>‹#›</a:t>
             </a:fld>
             <a:endParaRPr lang="en-US" dirty="0"/>
@@ -1761,7 +1938,8 @@
           <a:p>
             <a:fld id="{73EDB666-ACE3-4E4D-9EF1-133DEB729F69}" type="datetime1">
               <a:rPr lang="en-US" smtClean="0"/>
-              <a:t>9/6/2022</a:t>
+              <a:pPr/>
+              <a:t>9/13/2022</a:t>
             </a:fld>
             <a:endParaRPr lang="en-US" dirty="0"/>
           </a:p>
@@ -1803,6 +1981,7 @@
           <a:p>
             <a:fld id="{CA66AAB0-E9E5-4E62-8C28-AAD4A8C5F441}" type="slidenum">
               <a:rPr lang="en-US" smtClean="0"/>
+              <a:pPr/>
               <a:t>‹#›</a:t>
             </a:fld>
             <a:endParaRPr lang="en-US" dirty="0"/>
@@ -2178,7 +2357,8 @@
           <a:p>
             <a:fld id="{315E8F08-F003-4C91-894C-B38F1456FFA3}" type="datetime1">
               <a:rPr lang="en-US" smtClean="0"/>
-              <a:t>9/6/2022</a:t>
+              <a:pPr/>
+              <a:t>9/13/2022</a:t>
             </a:fld>
             <a:endParaRPr lang="en-US" dirty="0"/>
           </a:p>
@@ -2220,6 +2400,7 @@
           <a:p>
             <a:fld id="{CA66AAB0-E9E5-4E62-8C28-AAD4A8C5F441}" type="slidenum">
               <a:rPr lang="en-US" smtClean="0"/>
+              <a:pPr/>
               <a:t>‹#›</a:t>
             </a:fld>
             <a:endParaRPr lang="en-US" dirty="0"/>
@@ -2291,7 +2472,8 @@
           <a:p>
             <a:fld id="{4C97CE3B-C9A7-4E68-B34B-FBBA2712C891}" type="datetime1">
               <a:rPr lang="en-US" smtClean="0"/>
-              <a:t>9/6/2022</a:t>
+              <a:pPr/>
+              <a:t>9/13/2022</a:t>
             </a:fld>
             <a:endParaRPr lang="en-US" dirty="0"/>
           </a:p>
@@ -2333,6 +2515,7 @@
           <a:p>
             <a:fld id="{CA66AAB0-E9E5-4E62-8C28-AAD4A8C5F441}" type="slidenum">
               <a:rPr lang="en-US" smtClean="0"/>
+              <a:pPr/>
               <a:t>‹#›</a:t>
             </a:fld>
             <a:endParaRPr lang="en-US" dirty="0"/>
@@ -2381,7 +2564,8 @@
           <a:p>
             <a:fld id="{32EC6751-C9DC-4BA2-935C-C1B6D057B97D}" type="datetime1">
               <a:rPr lang="en-US" smtClean="0"/>
-              <a:t>9/6/2022</a:t>
+              <a:pPr/>
+              <a:t>9/13/2022</a:t>
             </a:fld>
             <a:endParaRPr lang="en-US" dirty="0"/>
           </a:p>
@@ -2423,6 +2607,7 @@
           <a:p>
             <a:fld id="{CA66AAB0-E9E5-4E62-8C28-AAD4A8C5F441}" type="slidenum">
               <a:rPr lang="en-US" smtClean="0"/>
+              <a:pPr/>
               <a:t>‹#›</a:t>
             </a:fld>
             <a:endParaRPr lang="en-US" dirty="0"/>
@@ -2653,7 +2838,8 @@
           <a:p>
             <a:fld id="{72CFD7B4-533D-48BD-836C-0C0EDF2AA9FD}" type="datetime1">
               <a:rPr lang="en-US" smtClean="0"/>
-              <a:t>9/6/2022</a:t>
+              <a:pPr/>
+              <a:t>9/13/2022</a:t>
             </a:fld>
             <a:endParaRPr lang="en-US" dirty="0"/>
           </a:p>
@@ -2695,6 +2881,7 @@
           <a:p>
             <a:fld id="{CA66AAB0-E9E5-4E62-8C28-AAD4A8C5F441}" type="slidenum">
               <a:rPr lang="en-US" smtClean="0"/>
+              <a:pPr/>
               <a:t>‹#›</a:t>
             </a:fld>
             <a:endParaRPr lang="en-US" dirty="0"/>
@@ -2905,7 +3092,8 @@
           <a:p>
             <a:fld id="{601A309E-528D-4AB9-AE79-81EC6FB362A5}" type="datetime1">
               <a:rPr lang="en-US" smtClean="0"/>
-              <a:t>9/6/2022</a:t>
+              <a:pPr/>
+              <a:t>9/13/2022</a:t>
             </a:fld>
             <a:endParaRPr lang="en-US" dirty="0"/>
           </a:p>
@@ -2947,6 +3135,7 @@
           <a:p>
             <a:fld id="{CA66AAB0-E9E5-4E62-8C28-AAD4A8C5F441}" type="slidenum">
               <a:rPr lang="en-US" smtClean="0"/>
+              <a:pPr/>
               <a:t>‹#›</a:t>
             </a:fld>
             <a:endParaRPr lang="en-US" dirty="0"/>
@@ -3116,7 +3305,8 @@
           <a:p>
             <a:fld id="{FA19574A-770D-426F-9CAE-CA02F139DB9B}" type="datetime1">
               <a:rPr lang="en-US" smtClean="0"/>
-              <a:t>9/6/2022</a:t>
+              <a:pPr/>
+              <a:t>9/13/2022</a:t>
             </a:fld>
             <a:endParaRPr lang="en-US" dirty="0"/>
           </a:p>
@@ -3194,6 +3384,7 @@
           <a:p>
             <a:fld id="{CA66AAB0-E9E5-4E62-8C28-AAD4A8C5F441}" type="slidenum">
               <a:rPr lang="en-US" smtClean="0"/>
+              <a:pPr/>
               <a:t>‹#›</a:t>
             </a:fld>
             <a:endParaRPr lang="en-US" dirty="0"/>
@@ -3570,27 +3761,7 @@
                 <a:latin typeface="Century Gothic" pitchFamily="34" charset="0"/>
                 <a:ea typeface="Gadugi" pitchFamily="34" charset="0"/>
               </a:rPr>
-              <a:t>Sistem</a:t>
-            </a:r>
-            <a:r>
-              <a:rPr lang="sr-Latn-RS" sz="5400" noProof="1" smtClean="0">
-                <a:solidFill>
-                  <a:srgbClr val="3A5E52"/>
-                </a:solidFill>
-                <a:latin typeface="Century Gothic" pitchFamily="34" charset="0"/>
-                <a:ea typeface="Gadugi" pitchFamily="34" charset="0"/>
-              </a:rPr>
-              <a:t> </a:t>
-            </a:r>
-            <a:r>
-              <a:rPr lang="sr-Latn-RS" sz="5400" noProof="1" smtClean="0">
-                <a:solidFill>
-                  <a:srgbClr val="3A5E52"/>
-                </a:solidFill>
-                <a:latin typeface="Century Gothic" pitchFamily="34" charset="0"/>
-                <a:ea typeface="Gadugi" pitchFamily="34" charset="0"/>
-              </a:rPr>
-              <a:t>za</a:t>
+              <a:t>Sistem za</a:t>
             </a:r>
             <a:endParaRPr lang="en-US" sz="5400" noProof="1" smtClean="0">
               <a:solidFill>
@@ -3610,27 +3781,7 @@
                 <a:latin typeface="Century Gothic" pitchFamily="34" charset="0"/>
                 <a:ea typeface="Gadugi" pitchFamily="34" charset="0"/>
               </a:rPr>
-              <a:t>introdukciju </a:t>
-            </a:r>
-            <a:r>
-              <a:rPr lang="sr-Latn-RS" sz="5400" noProof="1" smtClean="0">
-                <a:solidFill>
-                  <a:srgbClr val="3A5E52"/>
-                </a:solidFill>
-                <a:latin typeface="Century Gothic" pitchFamily="34" charset="0"/>
-                <a:ea typeface="Gadugi" pitchFamily="34" charset="0"/>
-              </a:rPr>
-              <a:t>i reintrodukciju </a:t>
-            </a:r>
-            <a:r>
-              <a:rPr lang="sr-Latn-RS" sz="5400" noProof="1" smtClean="0">
-                <a:solidFill>
-                  <a:srgbClr val="3A5E52"/>
-                </a:solidFill>
-                <a:latin typeface="Century Gothic" pitchFamily="34" charset="0"/>
-                <a:ea typeface="Gadugi" pitchFamily="34" charset="0"/>
-              </a:rPr>
-              <a:t>tekunica</a:t>
+              <a:t>introdukciju i reintrodukciju tekunica</a:t>
             </a:r>
             <a:endParaRPr lang="sr-Latn-RS" sz="5400" noProof="1">
               <a:solidFill>
@@ -3673,8 +3824,11 @@
                 <a:latin typeface="Century Gothic" pitchFamily="34" charset="0"/>
                 <a:ea typeface="Gadugi" pitchFamily="34" charset="0"/>
               </a:rPr>
-              <a:t>Isidora</a:t>
-            </a:r>
+              <a:t>Isidora Savić sw72-2018</a:t>
+            </a:r>
+          </a:p>
+          <a:p>
+            <a:pPr algn="ctr"/>
             <a:r>
               <a:rPr lang="sr-Latn-RS" noProof="1" smtClean="0">
                 <a:solidFill>
@@ -3683,77 +3837,7 @@
                 <a:latin typeface="Century Gothic" pitchFamily="34" charset="0"/>
                 <a:ea typeface="Gadugi" pitchFamily="34" charset="0"/>
               </a:rPr>
-              <a:t> </a:t>
-            </a:r>
-            <a:r>
-              <a:rPr lang="sr-Latn-RS" noProof="1" smtClean="0">
-                <a:solidFill>
-                  <a:srgbClr val="3A5E52"/>
-                </a:solidFill>
-                <a:latin typeface="Century Gothic" pitchFamily="34" charset="0"/>
-                <a:ea typeface="Gadugi" pitchFamily="34" charset="0"/>
-              </a:rPr>
-              <a:t>Savi</a:t>
-            </a:r>
-            <a:r>
-              <a:rPr lang="sr-Latn-RS" noProof="1" smtClean="0">
-                <a:solidFill>
-                  <a:srgbClr val="3A5E52"/>
-                </a:solidFill>
-                <a:latin typeface="Century Gothic" pitchFamily="34" charset="0"/>
-                <a:ea typeface="Gadugi" pitchFamily="34" charset="0"/>
-              </a:rPr>
-              <a:t>ć </a:t>
-            </a:r>
-            <a:r>
-              <a:rPr lang="sr-Latn-RS" noProof="1" smtClean="0">
-                <a:solidFill>
-                  <a:srgbClr val="3A5E52"/>
-                </a:solidFill>
-                <a:latin typeface="Century Gothic" pitchFamily="34" charset="0"/>
-                <a:ea typeface="Gadugi" pitchFamily="34" charset="0"/>
-              </a:rPr>
-              <a:t>sw72-2018</a:t>
-            </a:r>
-            <a:endParaRPr lang="sr-Latn-RS" noProof="1" smtClean="0">
-              <a:solidFill>
-                <a:srgbClr val="3A5E52"/>
-              </a:solidFill>
-              <a:latin typeface="Century Gothic" pitchFamily="34" charset="0"/>
-              <a:ea typeface="Gadugi" pitchFamily="34" charset="0"/>
-            </a:endParaRPr>
-          </a:p>
-          <a:p>
-            <a:pPr algn="ctr"/>
-            <a:r>
-              <a:rPr lang="sr-Latn-RS" noProof="1" smtClean="0">
-                <a:solidFill>
-                  <a:srgbClr val="3A5E52"/>
-                </a:solidFill>
-                <a:latin typeface="Century Gothic" pitchFamily="34" charset="0"/>
-                <a:ea typeface="Gadugi" pitchFamily="34" charset="0"/>
-              </a:rPr>
-              <a:t>Mentor</a:t>
-            </a:r>
-            <a:r>
-              <a:rPr lang="sr-Latn-RS" noProof="1" smtClean="0">
-                <a:solidFill>
-                  <a:srgbClr val="3A5E52"/>
-                </a:solidFill>
-                <a:latin typeface="Century Gothic" pitchFamily="34" charset="0"/>
-                <a:ea typeface="Gadugi" pitchFamily="34" charset="0"/>
-              </a:rPr>
-              <a:t>: Siniša </a:t>
-            </a:r>
-            <a:r>
-              <a:rPr lang="sr-Latn-RS" noProof="1" smtClean="0">
-                <a:solidFill>
-                  <a:srgbClr val="3A5E52"/>
-                </a:solidFill>
-                <a:latin typeface="Century Gothic" pitchFamily="34" charset="0"/>
-                <a:ea typeface="Gadugi" pitchFamily="34" charset="0"/>
-              </a:rPr>
-              <a:t>Nikolić</a:t>
+              <a:t>Mentor: Siniša Nikolić</a:t>
             </a:r>
             <a:endParaRPr lang="sr-Latn-RS" noProof="1">
               <a:solidFill>
@@ -4894,27 +4978,7 @@
                 <a:latin typeface="Century Gothic" pitchFamily="34" charset="0"/>
                 <a:ea typeface="Gadugi" pitchFamily="34" charset="0"/>
               </a:rPr>
-              <a:t>Ocene </a:t>
-            </a:r>
-            <a:r>
-              <a:rPr lang="en-US" sz="2000" b="1" u="sng" noProof="1" smtClean="0">
-                <a:solidFill>
-                  <a:srgbClr val="D2B48C"/>
-                </a:solidFill>
-                <a:latin typeface="Century Gothic" pitchFamily="34" charset="0"/>
-                <a:ea typeface="Gadugi" pitchFamily="34" charset="0"/>
-              </a:rPr>
-              <a:t>stani</a:t>
-            </a:r>
-            <a:r>
-              <a:rPr lang="en-US" sz="2000" b="1" u="sng" noProof="1" smtClean="0">
-                <a:solidFill>
-                  <a:srgbClr val="D2B48C"/>
-                </a:solidFill>
-                <a:latin typeface="Century Gothic" pitchFamily="34" charset="0"/>
-                <a:ea typeface="Gadugi" pitchFamily="34" charset="0"/>
-              </a:rPr>
-              <a:t>šta</a:t>
+              <a:t>Ocene staništa</a:t>
             </a:r>
             <a:endParaRPr lang="en-US" b="1" u="sng" noProof="1">
               <a:solidFill>
@@ -4935,7 +4999,7 @@
           <p:nvPr/>
         </p:nvPicPr>
         <p:blipFill>
-          <a:blip r:embed="rId2" cstate="print"/>
+          <a:blip r:embed="rId3" cstate="print"/>
           <a:stretch>
             <a:fillRect/>
           </a:stretch>
@@ -4959,7 +5023,7 @@
           <p:nvPr/>
         </p:nvPicPr>
         <p:blipFill>
-          <a:blip r:embed="rId3" cstate="print"/>
+          <a:blip r:embed="rId4" cstate="print"/>
           <a:stretch>
             <a:fillRect/>
           </a:stretch>
@@ -4983,7 +5047,7 @@
           <p:nvPr/>
         </p:nvPicPr>
         <p:blipFill>
-          <a:blip r:embed="rId4" cstate="print"/>
+          <a:blip r:embed="rId5" cstate="print"/>
           <a:stretch>
             <a:fillRect/>
           </a:stretch>
@@ -5007,7 +5071,7 @@
           <p:nvPr/>
         </p:nvPicPr>
         <p:blipFill>
-          <a:blip r:embed="rId5" cstate="print"/>
+          <a:blip r:embed="rId6" cstate="print"/>
           <a:stretch>
             <a:fillRect/>
           </a:stretch>
@@ -5031,7 +5095,7 @@
           <p:nvPr/>
         </p:nvPicPr>
         <p:blipFill>
-          <a:blip r:embed="rId6" cstate="print"/>
+          <a:blip r:embed="rId7" cstate="print"/>
           <a:stretch>
             <a:fillRect/>
           </a:stretch>
@@ -5076,32 +5140,8 @@
                 </a:solidFill>
                 <a:latin typeface="Century Gothic" pitchFamily="34" charset="0"/>
               </a:rPr>
-              <a:t>Optimalno</a:t>
-            </a:r>
-            <a:r>
-              <a:rPr lang="en-US" sz="1400" b="1" noProof="1" smtClean="0">
-                <a:solidFill>
-                  <a:srgbClr val="6D0612"/>
-                </a:solidFill>
-                <a:latin typeface="Century Gothic" pitchFamily="34" charset="0"/>
-              </a:rPr>
-              <a:t> </a:t>
-            </a:r>
-            <a:r>
-              <a:rPr lang="en-US" sz="1400" b="1" noProof="1" smtClean="0">
-                <a:solidFill>
-                  <a:srgbClr val="6D0612"/>
-                </a:solidFill>
-                <a:latin typeface="Century Gothic" pitchFamily="34" charset="0"/>
-              </a:rPr>
-              <a:t>stanište</a:t>
-            </a:r>
-            <a:endParaRPr lang="en-US" sz="1400" b="1" noProof="1" smtClean="0">
-              <a:solidFill>
-                <a:srgbClr val="6D0612"/>
-              </a:solidFill>
-              <a:latin typeface="Century Gothic" pitchFamily="34" charset="0"/>
-            </a:endParaRPr>
+              <a:t>Optimalno stanište</a:t>
+            </a:r>
           </a:p>
           <a:p>
             <a:pPr algn="ctr"/>
@@ -5112,16 +5152,7 @@
                 </a:solidFill>
                 <a:latin typeface="Century Gothic" pitchFamily="34" charset="0"/>
               </a:rPr>
-              <a:t>Karakteristike navedenog staništa su izuzetno povoljne za optimalan razvoj i opstanak populacije </a:t>
-            </a:r>
-            <a:r>
-              <a:rPr lang="en-US" sz="1100" noProof="1" smtClean="0">
-                <a:solidFill>
-                  <a:srgbClr val="3A5E52"/>
-                </a:solidFill>
-                <a:latin typeface="Century Gothic" pitchFamily="34" charset="0"/>
-              </a:rPr>
-              <a:t>tekunica.</a:t>
+              <a:t>Karakteristike navedenog staništa su izuzetno povoljne za optimalan razvoj i opstanak populacije tekunica.</a:t>
             </a:r>
             <a:endParaRPr lang="en-US" sz="1100" noProof="1">
               <a:solidFill>
@@ -5164,12 +5195,6 @@
               </a:rPr>
               <a:t>Suboptimalno stanište</a:t>
             </a:r>
-            <a:endParaRPr lang="en-US" sz="1400" b="1" noProof="1" smtClean="0">
-              <a:solidFill>
-                <a:srgbClr val="6D0612"/>
-              </a:solidFill>
-              <a:latin typeface="Century Gothic" pitchFamily="34" charset="0"/>
-            </a:endParaRPr>
           </a:p>
           <a:p>
             <a:pPr algn="ctr"/>
@@ -5248,12 +5273,6 @@
               </a:rPr>
               <a:t> stanište</a:t>
             </a:r>
-            <a:endParaRPr lang="en-US" sz="1400" b="1" noProof="1" smtClean="0">
-              <a:solidFill>
-                <a:srgbClr val="6D0612"/>
-              </a:solidFill>
-              <a:latin typeface="Century Gothic" pitchFamily="34" charset="0"/>
-            </a:endParaRPr>
           </a:p>
           <a:p>
             <a:pPr algn="ctr"/>
@@ -5325,12 +5344,6 @@
               </a:rPr>
               <a:t> stanište</a:t>
             </a:r>
-            <a:endParaRPr lang="en-US" sz="1400" b="1" noProof="1" smtClean="0">
-              <a:solidFill>
-                <a:srgbClr val="6D0612"/>
-              </a:solidFill>
-              <a:latin typeface="Century Gothic" pitchFamily="34" charset="0"/>
-            </a:endParaRPr>
           </a:p>
           <a:p>
             <a:pPr algn="ctr"/>
@@ -5402,12 +5415,6 @@
               </a:rPr>
               <a:t> stanište</a:t>
             </a:r>
-            <a:endParaRPr lang="en-US" sz="1400" b="1" noProof="1" smtClean="0">
-              <a:solidFill>
-                <a:srgbClr val="6D0612"/>
-              </a:solidFill>
-              <a:latin typeface="Century Gothic" pitchFamily="34" charset="0"/>
-            </a:endParaRPr>
           </a:p>
           <a:p>
             <a:pPr algn="ctr"/>
@@ -6619,7 +6626,7 @@
         <p:spPr>
           <a:xfrm>
             <a:off x="3810000" y="4572000"/>
-            <a:ext cx="2667000" cy="1246495"/>
+            <a:ext cx="2667000" cy="861774"/>
           </a:xfrm>
           <a:prstGeom prst="rect">
             <a:avLst/>
@@ -6640,9 +6647,19 @@
                 <a:latin typeface="Century Gothic" pitchFamily="34" charset="0"/>
                 <a:ea typeface="Gadugi" pitchFamily="34" charset="0"/>
               </a:rPr>
-              <a:t>Prikaz implementacije sistema</a:t>
-            </a:r>
-            <a:endParaRPr lang="en-US" sz="2500" dirty="0">
+              <a:t>Prikaz </a:t>
+            </a:r>
+            <a:r>
+              <a:rPr lang="sr-Latn-RS" sz="2500" dirty="0" smtClean="0">
+                <a:solidFill>
+                  <a:srgbClr val="3A5E52"/>
+                </a:solidFill>
+                <a:latin typeface="Century Gothic" pitchFamily="34" charset="0"/>
+                <a:ea typeface="Gadugi" pitchFamily="34" charset="0"/>
+              </a:rPr>
+              <a:t>izgleda i rada aplikacije</a:t>
+            </a:r>
+            <a:endParaRPr lang="sr-Latn-RS" sz="2500" dirty="0">
               <a:solidFill>
                 <a:srgbClr val="3A5E52"/>
               </a:solidFill>
@@ -7508,86 +7525,8 @@
                 </a:solidFill>
                 <a:latin typeface="Century Gothic" pitchFamily="34" charset="0"/>
               </a:rPr>
-              <a:t>Tekunice</a:t>
-            </a:r>
-            <a:r>
-              <a:rPr lang="en-US" noProof="1" smtClean="0">
-                <a:solidFill>
-                  <a:srgbClr val="3A5E52"/>
-                </a:solidFill>
-                <a:latin typeface="Century Gothic" pitchFamily="34" charset="0"/>
-              </a:rPr>
-              <a:t> su </a:t>
-            </a:r>
-            <a:r>
-              <a:rPr lang="en-US" noProof="1" smtClean="0">
-                <a:solidFill>
-                  <a:srgbClr val="3A5E52"/>
-                </a:solidFill>
-                <a:latin typeface="Century Gothic" pitchFamily="34" charset="0"/>
-              </a:rPr>
-              <a:t>gl</a:t>
-            </a:r>
-            <a:r>
-              <a:rPr lang="en-US" noProof="1" smtClean="0">
-                <a:solidFill>
-                  <a:srgbClr val="3A5E52"/>
-                </a:solidFill>
-                <a:latin typeface="Century Gothic" pitchFamily="34" charset="0"/>
-              </a:rPr>
-              <a:t>odari malenih </a:t>
-            </a:r>
-            <a:r>
-              <a:rPr lang="en-US" noProof="1" smtClean="0">
-                <a:solidFill>
-                  <a:srgbClr val="3A5E52"/>
-                </a:solidFill>
-                <a:latin typeface="Century Gothic" pitchFamily="34" charset="0"/>
-              </a:rPr>
-              <a:t>ušiju</a:t>
-            </a:r>
-            <a:r>
-              <a:rPr lang="en-US" noProof="1" smtClean="0">
-                <a:solidFill>
-                  <a:srgbClr val="3A5E52"/>
-                </a:solidFill>
-                <a:latin typeface="Century Gothic" pitchFamily="34" charset="0"/>
-              </a:rPr>
-              <a:t>, krupnih očiju i smeđesive </a:t>
-            </a:r>
-            <a:r>
-              <a:rPr lang="en-US" noProof="1" smtClean="0">
-                <a:solidFill>
-                  <a:srgbClr val="3A5E52"/>
-                </a:solidFill>
-                <a:latin typeface="Century Gothic" pitchFamily="34" charset="0"/>
-              </a:rPr>
-              <a:t>boje</a:t>
-            </a:r>
-            <a:r>
-              <a:rPr lang="en-US" noProof="1" smtClean="0">
-                <a:solidFill>
-                  <a:srgbClr val="3A5E52"/>
-                </a:solidFill>
-                <a:latin typeface="Century Gothic" pitchFamily="34" charset="0"/>
-              </a:rPr>
-              <a:t>. Karakteriše ih polozaj </a:t>
-            </a:r>
-            <a:r>
-              <a:rPr lang="en-US" noProof="1" smtClean="0">
-                <a:solidFill>
-                  <a:srgbClr val="3A5E52"/>
-                </a:solidFill>
-                <a:latin typeface="Century Gothic" pitchFamily="34" charset="0"/>
-              </a:rPr>
-              <a:t>svećiće.</a:t>
-            </a:r>
-            <a:endParaRPr lang="en-US" noProof="1" smtClean="0">
-              <a:solidFill>
-                <a:srgbClr val="3A5E52"/>
-              </a:solidFill>
-              <a:latin typeface="Century Gothic" pitchFamily="34" charset="0"/>
-            </a:endParaRPr>
+              <a:t>Tekunice su glodari malenih ušiju, krupnih očiju i smeđesive boje. Karakteriše ih polozaj svećiće.</a:t>
+            </a:r>
           </a:p>
           <a:p>
             <a:pPr marL="230188" indent="-230188">
@@ -7607,41 +7546,8 @@
                 </a:solidFill>
                 <a:latin typeface="Century Gothic" pitchFamily="34" charset="0"/>
               </a:rPr>
-              <a:t>Rasprostranjene su u jugoistočnom delu srednje </a:t>
-            </a:r>
-            <a:r>
-              <a:rPr lang="en-US" noProof="1" smtClean="0">
-                <a:solidFill>
-                  <a:srgbClr val="3A5E52"/>
-                </a:solidFill>
-                <a:latin typeface="Century Gothic" pitchFamily="34" charset="0"/>
-              </a:rPr>
-              <a:t>Evrope</a:t>
-            </a:r>
-            <a:r>
-              <a:rPr lang="en-US" noProof="1" smtClean="0">
-                <a:solidFill>
-                  <a:srgbClr val="3A5E52"/>
-                </a:solidFill>
-                <a:latin typeface="Century Gothic" pitchFamily="34" charset="0"/>
-              </a:rPr>
-              <a:t>, dok se u Srbiji nastanjuju </a:t>
-            </a:r>
-            <a:r>
-              <a:rPr lang="en-US" noProof="1" smtClean="0">
-                <a:solidFill>
-                  <a:srgbClr val="3A5E52"/>
-                </a:solidFill>
-                <a:latin typeface="Century Gothic" pitchFamily="34" charset="0"/>
-              </a:rPr>
-              <a:t>uglavnom u Vojvodini.</a:t>
-            </a:r>
-            <a:endParaRPr lang="en-US" noProof="1" smtClean="0">
-              <a:solidFill>
-                <a:srgbClr val="3A5E52"/>
-              </a:solidFill>
-              <a:latin typeface="Century Gothic" pitchFamily="34" charset="0"/>
-            </a:endParaRPr>
+              <a:t>Rasprostranjene su u jugoistočnom delu srednje Evrope, dok se u Srbiji nastanjuju uglavnom u Vojvodini.</a:t>
+            </a:r>
           </a:p>
           <a:p>
             <a:pPr marL="230188" indent="-230188">
@@ -7658,16 +7564,7 @@
                 </a:solidFill>
                 <a:latin typeface="Century Gothic" pitchFamily="34" charset="0"/>
               </a:rPr>
-              <a:t>Tekunice se u Srbiji nalaze na listi strogo zaštićenih vrsta i zbog toga se akcije za unapređenje i očuvanje tekunica svrstavaju u </a:t>
-            </a:r>
-            <a:r>
-              <a:rPr lang="en-US" noProof="1" smtClean="0">
-                <a:solidFill>
-                  <a:srgbClr val="3A5E52"/>
-                </a:solidFill>
-                <a:latin typeface="Century Gothic" pitchFamily="34" charset="0"/>
-              </a:rPr>
-              <a:t>prioritetne.</a:t>
+              <a:t>Tekunice se u Srbiji nalaze na listi strogo zaštićenih vrsta i zbog toga se akcije za unapređenje i očuvanje tekunica svrstavaju u prioritetne.</a:t>
             </a:r>
             <a:endParaRPr lang="en-US" noProof="1">
               <a:solidFill>
@@ -7893,27 +7790,7 @@
                 <a:latin typeface="Century Gothic" pitchFamily="34" charset="0"/>
                 <a:ea typeface="Gadugi" pitchFamily="34" charset="0"/>
               </a:rPr>
-              <a:t>Namena</a:t>
-            </a:r>
-            <a:r>
-              <a:rPr lang="en-US" sz="2000" b="1" u="sng" noProof="1" smtClean="0">
-                <a:solidFill>
-                  <a:srgbClr val="D2B48C"/>
-                </a:solidFill>
-                <a:latin typeface="Century Gothic" pitchFamily="34" charset="0"/>
-                <a:ea typeface="Gadugi" pitchFamily="34" charset="0"/>
-              </a:rPr>
-              <a:t> </a:t>
-            </a:r>
-            <a:r>
-              <a:rPr lang="en-US" sz="2000" b="1" u="sng" noProof="1" smtClean="0">
-                <a:solidFill>
-                  <a:srgbClr val="D2B48C"/>
-                </a:solidFill>
-                <a:latin typeface="Century Gothic" pitchFamily="34" charset="0"/>
-                <a:ea typeface="Gadugi" pitchFamily="34" charset="0"/>
-              </a:rPr>
-              <a:t>sistema</a:t>
+              <a:t>Namena sistema</a:t>
             </a:r>
             <a:endParaRPr lang="en-US" b="1" u="sng" noProof="1">
               <a:solidFill>
@@ -8072,50 +7949,8 @@
                 </a:solidFill>
                 <a:latin typeface="Century Gothic" pitchFamily="34" charset="0"/>
               </a:rPr>
-              <a:t>Sistem</a:t>
-            </a:r>
-            <a:r>
-              <a:rPr lang="en-US" sz="2000" noProof="1" smtClean="0">
-                <a:solidFill>
-                  <a:srgbClr val="3A5E52"/>
-                </a:solidFill>
-                <a:latin typeface="Century Gothic" pitchFamily="34" charset="0"/>
-              </a:rPr>
-              <a:t> je </a:t>
-            </a:r>
-            <a:r>
-              <a:rPr lang="en-US" sz="2000" noProof="1" smtClean="0">
-                <a:solidFill>
-                  <a:srgbClr val="3A5E52"/>
-                </a:solidFill>
-                <a:latin typeface="Century Gothic" pitchFamily="34" charset="0"/>
-              </a:rPr>
-              <a:t>za</a:t>
-            </a:r>
-            <a:r>
-              <a:rPr lang="en-US" sz="2000" noProof="1" smtClean="0">
-                <a:solidFill>
-                  <a:srgbClr val="3A5E52"/>
-                </a:solidFill>
-                <a:latin typeface="Century Gothic" pitchFamily="34" charset="0"/>
-              </a:rPr>
-              <a:t>mišljen kao pomoć u proceni adekvatnosti određenog područja za nastanjivanje </a:t>
-            </a:r>
-            <a:r>
-              <a:rPr lang="en-US" sz="2000" noProof="1" smtClean="0">
-                <a:solidFill>
-                  <a:srgbClr val="3A5E52"/>
-                </a:solidFill>
-                <a:latin typeface="Century Gothic" pitchFamily="34" charset="0"/>
-              </a:rPr>
-              <a:t>tekunica.</a:t>
-            </a:r>
-            <a:endParaRPr lang="en-US" sz="2000" noProof="1" smtClean="0">
-              <a:solidFill>
-                <a:srgbClr val="3A5E52"/>
-              </a:solidFill>
-              <a:latin typeface="Century Gothic" pitchFamily="34" charset="0"/>
-            </a:endParaRPr>
+              <a:t>Sistem je zamišljen kao pomoć u proceni adekvatnosti određenog područja za nastanjivanje tekunica.</a:t>
+            </a:r>
           </a:p>
           <a:p>
             <a:pPr marL="230188" indent="-230188">
@@ -8132,52 +7967,7 @@
                 </a:solidFill>
                 <a:latin typeface="Century Gothic" pitchFamily="34" charset="0"/>
               </a:rPr>
-              <a:t>Unošenjem konkretnih parametara o </a:t>
-            </a:r>
-            <a:r>
-              <a:rPr lang="en-US" sz="2000" noProof="1" smtClean="0">
-                <a:solidFill>
-                  <a:srgbClr val="3A5E52"/>
-                </a:solidFill>
-                <a:latin typeface="Century Gothic" pitchFamily="34" charset="0"/>
-              </a:rPr>
-              <a:t>lokaciji</a:t>
-            </a:r>
-            <a:r>
-              <a:rPr lang="en-US" sz="2000" noProof="1" smtClean="0">
-                <a:solidFill>
-                  <a:srgbClr val="3A5E52"/>
-                </a:solidFill>
-                <a:latin typeface="Century Gothic" pitchFamily="34" charset="0"/>
-              </a:rPr>
-              <a:t>, sistem će proceniti da li je predloženo stanište </a:t>
-            </a:r>
-            <a:r>
-              <a:rPr lang="en-US" sz="2000" noProof="1" smtClean="0">
-                <a:solidFill>
-                  <a:srgbClr val="3A5E52"/>
-                </a:solidFill>
-                <a:latin typeface="Century Gothic" pitchFamily="34" charset="0"/>
-              </a:rPr>
-              <a:t>adekvatno</a:t>
-            </a:r>
-            <a:r>
-              <a:rPr lang="en-US" sz="2000" noProof="1" smtClean="0">
-                <a:solidFill>
-                  <a:srgbClr val="3A5E52"/>
-                </a:solidFill>
-                <a:latin typeface="Century Gothic" pitchFamily="34" charset="0"/>
-              </a:rPr>
-              <a:t>, i u određenim situacijama će dati preporuke za akcije koje bi poboljšale </a:t>
-            </a:r>
-            <a:r>
-              <a:rPr lang="en-US" sz="2000" noProof="1" smtClean="0">
-                <a:solidFill>
-                  <a:srgbClr val="3A5E52"/>
-                </a:solidFill>
-                <a:latin typeface="Century Gothic" pitchFamily="34" charset="0"/>
-              </a:rPr>
-              <a:t>stanište.</a:t>
+              <a:t>Unošenjem konkretnih parametara o lokaciji, sistem će proceniti da li je predloženo stanište adekvatno, i u određenim situacijama će dati preporuke za akcije koje bi poboljšale stanište.</a:t>
             </a:r>
             <a:endParaRPr lang="en-US" sz="2000" noProof="1">
               <a:solidFill>
@@ -8474,17 +8264,7 @@
                 <a:latin typeface="Gadugi" pitchFamily="34" charset="0"/>
                 <a:ea typeface="Gadugi" pitchFamily="34" charset="0"/>
               </a:rPr>
-              <a:t>Spring </a:t>
-            </a:r>
-            <a:r>
-              <a:rPr lang="en-US" sz="2400" b="1" noProof="1" smtClean="0">
-                <a:solidFill>
-                  <a:srgbClr val="3A5E52"/>
-                </a:solidFill>
-                <a:latin typeface="Gadugi" pitchFamily="34" charset="0"/>
-                <a:ea typeface="Gadugi" pitchFamily="34" charset="0"/>
-              </a:rPr>
-              <a:t>boot</a:t>
+              <a:t>Spring boot</a:t>
             </a:r>
             <a:endParaRPr lang="en-US" b="1" noProof="1">
               <a:solidFill>
@@ -8609,43 +8389,7 @@
                 </a:solidFill>
                 <a:latin typeface="Century Gothic" pitchFamily="34" charset="0"/>
               </a:rPr>
-              <a:t>Klijentska</a:t>
-            </a:r>
-            <a:r>
-              <a:rPr lang="en-US" sz="1400" noProof="1" smtClean="0">
-                <a:solidFill>
-                  <a:srgbClr val="3A5E52"/>
-                </a:solidFill>
-                <a:latin typeface="Century Gothic" pitchFamily="34" charset="0"/>
-              </a:rPr>
-              <a:t> aplikacija razvijena je </a:t>
-            </a:r>
-            <a:r>
-              <a:rPr lang="en-US" sz="1400" noProof="1" smtClean="0">
-                <a:solidFill>
-                  <a:srgbClr val="3A5E52"/>
-                </a:solidFill>
-                <a:latin typeface="Century Gothic" pitchFamily="34" charset="0"/>
-              </a:rPr>
-              <a:t>koriste</a:t>
-            </a:r>
-            <a:r>
-              <a:rPr lang="en-US" sz="1400" noProof="1" smtClean="0">
-                <a:solidFill>
-                  <a:srgbClr val="3A5E52"/>
-                </a:solidFill>
-                <a:latin typeface="Century Gothic" pitchFamily="34" charset="0"/>
-              </a:rPr>
-              <a:t>ći React </a:t>
-            </a:r>
-            <a:r>
-              <a:rPr lang="en-US" sz="1400" noProof="1" smtClean="0">
-                <a:solidFill>
-                  <a:srgbClr val="3A5E52"/>
-                </a:solidFill>
-                <a:latin typeface="Century Gothic" pitchFamily="34" charset="0"/>
-              </a:rPr>
-              <a:t>biblioteku</a:t>
+              <a:t>Klijentska aplikacija razvijena je koristeći React biblioteku</a:t>
             </a:r>
             <a:endParaRPr lang="en-US" sz="1400" noProof="1">
               <a:solidFill>
@@ -8685,43 +8429,7 @@
                 </a:solidFill>
                 <a:latin typeface="Century Gothic" pitchFamily="34" charset="0"/>
               </a:rPr>
-              <a:t>Serverska</a:t>
-            </a:r>
-            <a:r>
-              <a:rPr lang="en-US" sz="1400" noProof="1" smtClean="0">
-                <a:solidFill>
-                  <a:srgbClr val="3A5E52"/>
-                </a:solidFill>
-                <a:latin typeface="Century Gothic" pitchFamily="34" charset="0"/>
-              </a:rPr>
-              <a:t> aplikacija implementirana je </a:t>
-            </a:r>
-            <a:r>
-              <a:rPr lang="en-US" sz="1400" noProof="1" smtClean="0">
-                <a:solidFill>
-                  <a:srgbClr val="3A5E52"/>
-                </a:solidFill>
-                <a:latin typeface="Century Gothic" pitchFamily="34" charset="0"/>
-              </a:rPr>
-              <a:t>kori</a:t>
-            </a:r>
-            <a:r>
-              <a:rPr lang="en-US" sz="1400" noProof="1" smtClean="0">
-                <a:solidFill>
-                  <a:srgbClr val="3A5E52"/>
-                </a:solidFill>
-                <a:latin typeface="Century Gothic" pitchFamily="34" charset="0"/>
-              </a:rPr>
-              <a:t>šćenjem Spring </a:t>
-            </a:r>
-            <a:r>
-              <a:rPr lang="en-US" sz="1400" noProof="1" smtClean="0">
-                <a:solidFill>
-                  <a:srgbClr val="3A5E52"/>
-                </a:solidFill>
-                <a:latin typeface="Century Gothic" pitchFamily="34" charset="0"/>
-              </a:rPr>
-              <a:t>Boot-a</a:t>
+              <a:t>Serverska aplikacija implementirana je korišćenjem Spring Boot-a</a:t>
             </a:r>
             <a:endParaRPr lang="en-US" sz="1400" noProof="1">
               <a:solidFill>
@@ -8908,27 +8616,7 @@
                 <a:latin typeface="Century Gothic" pitchFamily="34" charset="0"/>
                 <a:ea typeface="Gadugi" pitchFamily="34" charset="0"/>
               </a:rPr>
-              <a:t>Ko</a:t>
-            </a:r>
-            <a:r>
-              <a:rPr lang="en-US" sz="4800" noProof="1" smtClean="0">
-                <a:solidFill>
-                  <a:srgbClr val="3A5E52"/>
-                </a:solidFill>
-                <a:latin typeface="Century Gothic" pitchFamily="34" charset="0"/>
-                <a:ea typeface="Gadugi" pitchFamily="34" charset="0"/>
-              </a:rPr>
-              <a:t>rišćene </a:t>
-            </a:r>
-            <a:r>
-              <a:rPr lang="en-US" sz="4800" noProof="1" smtClean="0">
-                <a:solidFill>
-                  <a:srgbClr val="3A5E52"/>
-                </a:solidFill>
-                <a:latin typeface="Century Gothic" pitchFamily="34" charset="0"/>
-                <a:ea typeface="Gadugi" pitchFamily="34" charset="0"/>
-              </a:rPr>
-              <a:t>tehnologije</a:t>
+              <a:t>Korišćene tehnologije</a:t>
             </a:r>
             <a:endParaRPr lang="en-US" sz="4800" noProof="1">
               <a:solidFill>
@@ -9165,27 +8853,7 @@
                 <a:latin typeface="Century Gothic" pitchFamily="34" charset="0"/>
                 <a:ea typeface="Gadugi" pitchFamily="34" charset="0"/>
               </a:rPr>
-              <a:t>Preporuka </a:t>
-            </a:r>
-            <a:r>
-              <a:rPr lang="en-US" noProof="1" smtClean="0">
-                <a:solidFill>
-                  <a:srgbClr val="3A5E52"/>
-                </a:solidFill>
-                <a:latin typeface="Century Gothic" pitchFamily="34" charset="0"/>
-                <a:ea typeface="Gadugi" pitchFamily="34" charset="0"/>
-              </a:rPr>
-              <a:t>akcija </a:t>
-            </a:r>
-            <a:r>
-              <a:rPr lang="en-US" noProof="1" smtClean="0">
-                <a:solidFill>
-                  <a:srgbClr val="3A5E52"/>
-                </a:solidFill>
-                <a:latin typeface="Century Gothic" pitchFamily="34" charset="0"/>
-                <a:ea typeface="Gadugi" pitchFamily="34" charset="0"/>
-              </a:rPr>
-              <a:t>za</a:t>
+              <a:t>Preporuka akcija za</a:t>
             </a:r>
           </a:p>
           <a:p>
@@ -9202,17 +8870,7 @@
                 <a:latin typeface="Century Gothic" pitchFamily="34" charset="0"/>
                 <a:ea typeface="Gadugi" pitchFamily="34" charset="0"/>
               </a:rPr>
-              <a:t>unapređenje </a:t>
-            </a:r>
-            <a:r>
-              <a:rPr lang="en-US" noProof="1" smtClean="0">
-                <a:solidFill>
-                  <a:srgbClr val="3A5E52"/>
-                </a:solidFill>
-                <a:latin typeface="Century Gothic" pitchFamily="34" charset="0"/>
-                <a:ea typeface="Gadugi" pitchFamily="34" charset="0"/>
-              </a:rPr>
-              <a:t>staništa</a:t>
+              <a:t>unapređenje staništa</a:t>
             </a:r>
             <a:endParaRPr lang="en-US" noProof="1">
               <a:solidFill>
@@ -9394,43 +9052,7 @@
                 </a:solidFill>
                 <a:latin typeface="Franklin Gothic Book" pitchFamily="34" charset="0"/>
               </a:rPr>
-              <a:t>Dijagram</a:t>
-            </a:r>
-            <a:r>
-              <a:rPr lang="en-US" sz="800" noProof="1" smtClean="0">
-                <a:solidFill>
-                  <a:srgbClr val="105A23"/>
-                </a:solidFill>
-                <a:latin typeface="Franklin Gothic Book" pitchFamily="34" charset="0"/>
-              </a:rPr>
-              <a:t> toka </a:t>
-            </a:r>
-            <a:r>
-              <a:rPr lang="en-US" sz="800" noProof="1" smtClean="0">
-                <a:solidFill>
-                  <a:srgbClr val="105A23"/>
-                </a:solidFill>
-                <a:latin typeface="Franklin Gothic Book" pitchFamily="34" charset="0"/>
-              </a:rPr>
-              <a:t>kori</a:t>
-            </a:r>
-            <a:r>
-              <a:rPr lang="en-US" sz="800" noProof="1" smtClean="0">
-                <a:solidFill>
-                  <a:srgbClr val="105A23"/>
-                </a:solidFill>
-                <a:latin typeface="Franklin Gothic Book" pitchFamily="34" charset="0"/>
-              </a:rPr>
-              <a:t>šćenja </a:t>
-            </a:r>
-            <a:r>
-              <a:rPr lang="en-US" sz="800" noProof="1" smtClean="0">
-                <a:solidFill>
-                  <a:srgbClr val="105A23"/>
-                </a:solidFill>
-                <a:latin typeface="Franklin Gothic Book" pitchFamily="34" charset="0"/>
-              </a:rPr>
-              <a:t>aplikacije</a:t>
+              <a:t>Dijagram toka korišćenja aplikacije</a:t>
             </a:r>
             <a:endParaRPr lang="en-US" sz="800" noProof="1">
               <a:solidFill>
@@ -9788,35 +9410,8 @@
                 <a:latin typeface="Century Gothic" pitchFamily="34" charset="0"/>
                 <a:ea typeface="Gadugi" pitchFamily="34" charset="0"/>
               </a:rPr>
-              <a:t>Glavni</a:t>
-            </a:r>
-            <a:r>
-              <a:rPr lang="en-US" sz="2000" noProof="1" smtClean="0">
-                <a:solidFill>
-                  <a:srgbClr val="105A23"/>
-                </a:solidFill>
-                <a:latin typeface="Century Gothic" pitchFamily="34" charset="0"/>
-                <a:ea typeface="Gadugi" pitchFamily="34" charset="0"/>
-              </a:rPr>
-              <a:t> </a:t>
-            </a:r>
-            <a:r>
-              <a:rPr lang="en-US" sz="2000" noProof="1" smtClean="0">
-                <a:solidFill>
-                  <a:srgbClr val="105A23"/>
-                </a:solidFill>
-                <a:latin typeface="Century Gothic" pitchFamily="34" charset="0"/>
-                <a:ea typeface="Gadugi" pitchFamily="34" charset="0"/>
-              </a:rPr>
-              <a:t>direktorijumi:</a:t>
-            </a:r>
-            <a:endParaRPr lang="en-US" sz="2000" noProof="1" smtClean="0">
-              <a:solidFill>
-                <a:srgbClr val="105A23"/>
-              </a:solidFill>
-              <a:latin typeface="Century Gothic" pitchFamily="34" charset="0"/>
-              <a:ea typeface="Gadugi" pitchFamily="34" charset="0"/>
-            </a:endParaRPr>
+              <a:t>Glavni direktorijumi:</a:t>
+            </a:r>
           </a:p>
           <a:p>
             <a:pPr marL="339725" indent="-228600">
@@ -9849,13 +9444,6 @@
               </a:rPr>
               <a:t>ontroller</a:t>
             </a:r>
-            <a:endParaRPr lang="en-US" noProof="1" smtClean="0">
-              <a:solidFill>
-                <a:srgbClr val="105A23"/>
-              </a:solidFill>
-              <a:latin typeface="Century Gothic" pitchFamily="34" charset="0"/>
-              <a:ea typeface="Gadugi" pitchFamily="34" charset="0"/>
-            </a:endParaRPr>
           </a:p>
           <a:p>
             <a:pPr marL="339725" indent="-228600">
@@ -9888,13 +9476,6 @@
               </a:rPr>
               <a:t>to</a:t>
             </a:r>
-            <a:endParaRPr lang="en-US" noProof="1" smtClean="0">
-              <a:solidFill>
-                <a:srgbClr val="105A23"/>
-              </a:solidFill>
-              <a:latin typeface="Century Gothic" pitchFamily="34" charset="0"/>
-              <a:ea typeface="Gadugi" pitchFamily="34" charset="0"/>
-            </a:endParaRPr>
           </a:p>
           <a:p>
             <a:pPr marL="339725" indent="-228600">
@@ -9927,13 +9508,6 @@
               </a:rPr>
               <a:t>acts</a:t>
             </a:r>
-            <a:endParaRPr lang="en-US" noProof="1" smtClean="0">
-              <a:solidFill>
-                <a:srgbClr val="105A23"/>
-              </a:solidFill>
-              <a:latin typeface="Century Gothic" pitchFamily="34" charset="0"/>
-              <a:ea typeface="Gadugi" pitchFamily="34" charset="0"/>
-            </a:endParaRPr>
           </a:p>
           <a:p>
             <a:pPr marL="339725" indent="-228600">
@@ -9956,13 +9530,6 @@
               </a:rPr>
               <a:t>repository</a:t>
             </a:r>
-            <a:endParaRPr lang="en-US" noProof="1" smtClean="0">
-              <a:solidFill>
-                <a:srgbClr val="105A23"/>
-              </a:solidFill>
-              <a:latin typeface="Century Gothic" pitchFamily="34" charset="0"/>
-              <a:ea typeface="Gadugi" pitchFamily="34" charset="0"/>
-            </a:endParaRPr>
           </a:p>
           <a:p>
             <a:pPr marL="339725" indent="-228600">
@@ -10059,13 +9626,6 @@
               </a:rPr>
               <a:t>:</a:t>
             </a:r>
-            <a:endParaRPr lang="en-US" sz="2000" noProof="1" smtClean="0">
-              <a:solidFill>
-                <a:srgbClr val="105A23"/>
-              </a:solidFill>
-              <a:latin typeface="Century Gothic" pitchFamily="34" charset="0"/>
-              <a:ea typeface="Gadugi" pitchFamily="34" charset="0"/>
-            </a:endParaRPr>
           </a:p>
           <a:p>
             <a:pPr marL="339725" indent="-228600">
@@ -10549,13 +10109,6 @@
               </a:rPr>
               <a:t>:</a:t>
             </a:r>
-            <a:endParaRPr lang="en-US" sz="2000" noProof="1" smtClean="0">
-              <a:solidFill>
-                <a:srgbClr val="105A23"/>
-              </a:solidFill>
-              <a:latin typeface="Century Gothic" pitchFamily="34" charset="0"/>
-              <a:ea typeface="Gadugi" pitchFamily="34" charset="0"/>
-            </a:endParaRPr>
           </a:p>
           <a:p>
             <a:pPr marL="339725" indent="-228600">
@@ -10780,8 +10333,8 @@
         </p:nvSpPr>
         <p:spPr>
           <a:xfrm>
-            <a:off x="5105400" y="6324600"/>
-            <a:ext cx="3276600" cy="215444"/>
+            <a:off x="4572000" y="6324600"/>
+            <a:ext cx="3657600" cy="215444"/>
           </a:xfrm>
           <a:prstGeom prst="rect">
             <a:avLst/>
